--- a/steampunk_runner_prezentace.pptx
+++ b/steampunk_runner_prezentace.pptx
@@ -287,7 +287,7 @@
           <a:p>
             <a:fld id="{89451C43-6ACF-4CDB-95BA-B0C965AA5C1E}" type="datetimeFigureOut">
               <a:rPr lang="cs-CZ" smtClean="0"/>
-              <a:t>12.10.2025</a:t>
+              <a:t>13.10.2025</a:t>
             </a:fld>
             <a:endParaRPr lang="cs-CZ"/>
           </a:p>
@@ -617,7 +617,7 @@
           <a:p>
             <a:fld id="{89451C43-6ACF-4CDB-95BA-B0C965AA5C1E}" type="datetimeFigureOut">
               <a:rPr lang="cs-CZ" smtClean="0"/>
-              <a:t>12.10.2025</a:t>
+              <a:t>13.10.2025</a:t>
             </a:fld>
             <a:endParaRPr lang="cs-CZ"/>
           </a:p>
@@ -797,7 +797,7 @@
           <a:p>
             <a:fld id="{89451C43-6ACF-4CDB-95BA-B0C965AA5C1E}" type="datetimeFigureOut">
               <a:rPr lang="cs-CZ" smtClean="0"/>
-              <a:t>12.10.2025</a:t>
+              <a:t>13.10.2025</a:t>
             </a:fld>
             <a:endParaRPr lang="cs-CZ"/>
           </a:p>
@@ -967,7 +967,7 @@
           <a:p>
             <a:fld id="{89451C43-6ACF-4CDB-95BA-B0C965AA5C1E}" type="datetimeFigureOut">
               <a:rPr lang="cs-CZ" smtClean="0"/>
-              <a:t>12.10.2025</a:t>
+              <a:t>13.10.2025</a:t>
             </a:fld>
             <a:endParaRPr lang="cs-CZ"/>
           </a:p>
@@ -1244,7 +1244,7 @@
           <a:p>
             <a:fld id="{89451C43-6ACF-4CDB-95BA-B0C965AA5C1E}" type="datetimeFigureOut">
               <a:rPr lang="cs-CZ" smtClean="0"/>
-              <a:t>12.10.2025</a:t>
+              <a:t>13.10.2025</a:t>
             </a:fld>
             <a:endParaRPr lang="cs-CZ"/>
           </a:p>
@@ -1638,7 +1638,7 @@
           <a:p>
             <a:fld id="{89451C43-6ACF-4CDB-95BA-B0C965AA5C1E}" type="datetimeFigureOut">
               <a:rPr lang="cs-CZ" smtClean="0"/>
-              <a:t>12.10.2025</a:t>
+              <a:t>13.10.2025</a:t>
             </a:fld>
             <a:endParaRPr lang="cs-CZ"/>
           </a:p>
@@ -2115,7 +2115,7 @@
           <a:p>
             <a:fld id="{89451C43-6ACF-4CDB-95BA-B0C965AA5C1E}" type="datetimeFigureOut">
               <a:rPr lang="cs-CZ" smtClean="0"/>
-              <a:t>12.10.2025</a:t>
+              <a:t>13.10.2025</a:t>
             </a:fld>
             <a:endParaRPr lang="cs-CZ"/>
           </a:p>
@@ -2233,7 +2233,7 @@
           <a:p>
             <a:fld id="{89451C43-6ACF-4CDB-95BA-B0C965AA5C1E}" type="datetimeFigureOut">
               <a:rPr lang="cs-CZ" smtClean="0"/>
-              <a:t>12.10.2025</a:t>
+              <a:t>13.10.2025</a:t>
             </a:fld>
             <a:endParaRPr lang="cs-CZ"/>
           </a:p>
@@ -2328,7 +2328,7 @@
           <a:p>
             <a:fld id="{89451C43-6ACF-4CDB-95BA-B0C965AA5C1E}" type="datetimeFigureOut">
               <a:rPr lang="cs-CZ" smtClean="0"/>
-              <a:t>12.10.2025</a:t>
+              <a:t>13.10.2025</a:t>
             </a:fld>
             <a:endParaRPr lang="cs-CZ"/>
           </a:p>
@@ -2674,7 +2674,7 @@
           <a:p>
             <a:fld id="{89451C43-6ACF-4CDB-95BA-B0C965AA5C1E}" type="datetimeFigureOut">
               <a:rPr lang="cs-CZ" smtClean="0"/>
-              <a:t>12.10.2025</a:t>
+              <a:t>13.10.2025</a:t>
             </a:fld>
             <a:endParaRPr lang="cs-CZ"/>
           </a:p>
@@ -3062,7 +3062,7 @@
           <a:p>
             <a:fld id="{89451C43-6ACF-4CDB-95BA-B0C965AA5C1E}" type="datetimeFigureOut">
               <a:rPr lang="cs-CZ" smtClean="0"/>
-              <a:t>12.10.2025</a:t>
+              <a:t>13.10.2025</a:t>
             </a:fld>
             <a:endParaRPr lang="cs-CZ"/>
           </a:p>
@@ -3340,7 +3340,7 @@
           <a:p>
             <a:fld id="{89451C43-6ACF-4CDB-95BA-B0C965AA5C1E}" type="datetimeFigureOut">
               <a:rPr lang="cs-CZ" smtClean="0"/>
-              <a:t>12.10.2025</a:t>
+              <a:t>13.10.2025</a:t>
             </a:fld>
             <a:endParaRPr lang="cs-CZ"/>
           </a:p>
@@ -4252,14 +4252,12 @@
           </a:p>
           <a:p>
             <a:r>
+              <a:rPr lang="cs-CZ"/>
+              <a:t>Cílem </a:t>
+            </a:r>
+            <a:r>
               <a:rPr lang="cs-CZ" dirty="0"/>
-              <a:t>Cílem je se dostat co nejdále dokážete.</a:t>
-            </a:r>
-          </a:p>
-          <a:p>
-            <a:r>
-              <a:rPr lang="cs-CZ" dirty="0"/>
-              <a:t>Cílem je dostat se co nejdále, dokud nepadnete – a neustále běžet, protože zastavit se znamená konec.</a:t>
+              <a:t>je dostat se co nejdále, dokud nepadnete – a neustále běžet, protože zastavit se znamená konec.</a:t>
             </a:r>
           </a:p>
         </p:txBody>
